--- a/docs/VTM_Photo_rehoot_Falk.pptx
+++ b/docs/VTM_Photo_rehoot_Falk.pptx
@@ -6,14 +6,16 @@
     <p:sldMasterId id="2147483674" r:id="rId2"/>
   </p:sldMasterIdLst>
   <p:notesMasterIdLst>
-    <p:notesMasterId r:id="rId8"/>
+    <p:notesMasterId r:id="rId10"/>
   </p:notesMasterIdLst>
   <p:sldIdLst>
     <p:sldId id="378" r:id="rId3"/>
     <p:sldId id="380" r:id="rId4"/>
     <p:sldId id="381" r:id="rId5"/>
     <p:sldId id="382" r:id="rId6"/>
-    <p:sldId id="379" r:id="rId7"/>
+    <p:sldId id="383" r:id="rId7"/>
+    <p:sldId id="384" r:id="rId8"/>
+    <p:sldId id="379" r:id="rId9"/>
   </p:sldIdLst>
   <p:sldSz cx="9144000" cy="6858000" type="screen4x3"/>
   <p:notesSz cx="6858000" cy="9144000"/>
@@ -5517,28 +5519,12 @@
           <a:p>
             <a:pPr algn="ctr"/>
             <a:r>
-              <a:rPr lang="en-US" sz="2800" b="1" dirty="0" smtClean="0">
-                <a:solidFill>
-                  <a:srgbClr val="003262"/>
-                </a:solidFill>
-              </a:rPr>
-              <a:t>ecoengine.berkeley.edu/</a:t>
-            </a:r>
-            <a:r>
               <a:rPr lang="en-US" sz="2800" b="1" dirty="0" err="1" smtClean="0">
                 <a:solidFill>
                   <a:srgbClr val="003262"/>
                 </a:solidFill>
               </a:rPr>
-              <a:t>api</a:t>
-            </a:r>
-            <a:r>
-              <a:rPr lang="en-US" sz="2800" b="1" dirty="0" smtClean="0">
-                <a:solidFill>
-                  <a:srgbClr val="003262"/>
-                </a:solidFill>
-              </a:rPr>
-              <a:t>/photos</a:t>
+              <a:t>GeoJSON</a:t>
             </a:r>
             <a:endParaRPr lang="en-US" sz="2800" dirty="0">
               <a:solidFill>
@@ -5548,149 +5534,10 @@
           </a:p>
         </p:txBody>
       </p:sp>
-      <p:sp>
-        <p:nvSpPr>
-          <p:cNvPr id="3" name="TextBox 2"/>
-          <p:cNvSpPr txBox="1"/>
-          <p:nvPr/>
-        </p:nvSpPr>
-        <p:spPr>
-          <a:xfrm>
-            <a:off x="1066800" y="1600200"/>
-            <a:ext cx="7315200" cy="4524315"/>
-          </a:xfrm>
-          <a:prstGeom prst="rect">
-            <a:avLst/>
-          </a:prstGeom>
-          <a:noFill/>
-        </p:spPr>
-        <p:txBody>
-          <a:bodyPr wrap="square" rtlCol="0">
-            <a:spAutoFit/>
-          </a:bodyPr>
-          <a:lstStyle/>
-          <a:p>
-            <a:r>
-              <a:rPr lang="en-US" sz="2400" dirty="0" smtClean="0"/>
-              <a:t>Important parameters for today’s goals</a:t>
-            </a:r>
-          </a:p>
-          <a:p>
-            <a:endParaRPr lang="en-US" sz="2400" dirty="0"/>
-          </a:p>
-          <a:p>
-            <a:r>
-              <a:rPr lang="en-US" sz="2400" dirty="0" smtClean="0"/>
-              <a:t>?authors = </a:t>
-            </a:r>
-            <a:r>
-              <a:rPr lang="en-US" sz="2400" dirty="0" err="1" smtClean="0"/>
-              <a:t>Wieslander</a:t>
-            </a:r>
-            <a:endParaRPr lang="en-US" sz="2400" dirty="0" smtClean="0"/>
-          </a:p>
-          <a:p>
-            <a:r>
-              <a:rPr lang="en-US" sz="2400" dirty="0" smtClean="0"/>
-              <a:t>?</a:t>
-            </a:r>
-            <a:r>
-              <a:rPr lang="en-US" sz="2400" dirty="0" err="1" smtClean="0"/>
-              <a:t>collection_code</a:t>
-            </a:r>
-            <a:r>
-              <a:rPr lang="en-US" sz="2400" dirty="0" smtClean="0"/>
-              <a:t>=VTM</a:t>
-            </a:r>
-          </a:p>
-          <a:p>
-            <a:r>
-              <a:rPr lang="en-US" sz="2400" dirty="0" smtClean="0"/>
-              <a:t>?county=Mono</a:t>
-            </a:r>
-          </a:p>
-          <a:p>
-            <a:r>
-              <a:rPr lang="en-US" sz="2400" dirty="0" smtClean="0"/>
-              <a:t>?</a:t>
-            </a:r>
-            <a:r>
-              <a:rPr lang="en-US" sz="2400" dirty="0" err="1" smtClean="0"/>
-              <a:t>begin_date</a:t>
-            </a:r>
-            <a:r>
-              <a:rPr lang="en-US" sz="2400" dirty="0" smtClean="0"/>
-              <a:t>=1937-12-20</a:t>
-            </a:r>
-          </a:p>
-          <a:p>
-            <a:r>
-              <a:rPr lang="en-US" sz="2400" dirty="0" smtClean="0"/>
-              <a:t>?</a:t>
-            </a:r>
-            <a:r>
-              <a:rPr lang="en-US" sz="2400" dirty="0" err="1" smtClean="0"/>
-              <a:t>end_date</a:t>
-            </a:r>
-            <a:r>
-              <a:rPr lang="en-US" sz="2400" dirty="0" smtClean="0"/>
-              <a:t>=1940-12-03</a:t>
-            </a:r>
-          </a:p>
-          <a:p>
-            <a:r>
-              <a:rPr lang="en-US" sz="2400" dirty="0"/>
-              <a:t>?</a:t>
-            </a:r>
-            <a:r>
-              <a:rPr lang="en-US" sz="2400" dirty="0" err="1" smtClean="0"/>
-              <a:t>bbox</a:t>
-            </a:r>
-            <a:r>
-              <a:rPr lang="en-US" sz="2400" dirty="0" smtClean="0"/>
-              <a:t>=36,-119,37,-118</a:t>
-            </a:r>
-          </a:p>
-          <a:p>
-            <a:endParaRPr lang="en-US" sz="2400" dirty="0"/>
-          </a:p>
-          <a:p>
-            <a:r>
-              <a:rPr lang="en-US" sz="2400" dirty="0" smtClean="0"/>
-              <a:t>?</a:t>
-            </a:r>
-            <a:r>
-              <a:rPr lang="en-US" sz="2400" dirty="0" err="1" smtClean="0"/>
-              <a:t>page_size</a:t>
-            </a:r>
-            <a:r>
-              <a:rPr lang="en-US" sz="2400" dirty="0" smtClean="0"/>
-              <a:t>=200</a:t>
-            </a:r>
-          </a:p>
-          <a:p>
-            <a:r>
-              <a:rPr lang="en-US" sz="2400" dirty="0" smtClean="0"/>
-              <a:t>?format=</a:t>
-            </a:r>
-            <a:r>
-              <a:rPr lang="en-US" sz="2400" dirty="0" err="1" smtClean="0"/>
-              <a:t>json</a:t>
-            </a:r>
-            <a:r>
-              <a:rPr lang="en-US" sz="2400" dirty="0" smtClean="0"/>
-              <a:t> 	overrides the content-type</a:t>
-            </a:r>
-          </a:p>
-          <a:p>
-            <a:endParaRPr lang="en-US" sz="2400" dirty="0" smtClean="0"/>
-          </a:p>
-        </p:txBody>
-      </p:sp>
     </p:spTree>
     <p:extLst>
       <p:ext uri="{BB962C8B-B14F-4D97-AF65-F5344CB8AC3E}">
-        <p14:creationId xmlns:p14="http://schemas.microsoft.com/office/powerpoint/2010/main" val="3673072751"/>
+        <p14:creationId xmlns:p14="http://schemas.microsoft.com/office/powerpoint/2010/main" val="2726931887"/>
       </p:ext>
     </p:extLst>
   </p:cSld>
@@ -5716,6 +5563,221 @@
 </file>
 
 <file path=ppt/slides/slide5.xml><?xml version="1.0" encoding="utf-8"?>
+<p:sld xmlns:a="http://schemas.openxmlformats.org/drawingml/2006/main" xmlns:r="http://schemas.openxmlformats.org/officeDocument/2006/relationships" xmlns:p="http://schemas.openxmlformats.org/presentationml/2006/main">
+  <p:cSld>
+    <p:spTree>
+      <p:nvGrpSpPr>
+        <p:cNvPr id="1" name=""/>
+        <p:cNvGrpSpPr/>
+        <p:nvPr/>
+      </p:nvGrpSpPr>
+      <p:grpSpPr>
+        <a:xfrm>
+          <a:off x="0" y="0"/>
+          <a:ext cx="0" cy="0"/>
+          <a:chOff x="0" y="0"/>
+          <a:chExt cx="0" cy="0"/>
+        </a:xfrm>
+      </p:grpSpPr>
+      <p:sp>
+        <p:nvSpPr>
+          <p:cNvPr id="2" name="Title 1"/>
+          <p:cNvSpPr>
+            <a:spLocks noGrp="1"/>
+          </p:cNvSpPr>
+          <p:nvPr>
+            <p:ph type="title"/>
+          </p:nvPr>
+        </p:nvSpPr>
+        <p:spPr>
+          <a:xfrm>
+            <a:off x="457200" y="273876"/>
+            <a:ext cx="8446168" cy="1150353"/>
+          </a:xfrm>
+        </p:spPr>
+        <p:txBody>
+          <a:bodyPr>
+            <a:normAutofit/>
+          </a:bodyPr>
+          <a:lstStyle/>
+          <a:p>
+            <a:pPr algn="ctr"/>
+            <a:r>
+              <a:rPr lang="en-US" sz="2800" b="1" dirty="0" smtClean="0">
+                <a:solidFill>
+                  <a:srgbClr val="003262"/>
+                </a:solidFill>
+              </a:rPr>
+              <a:t>CORS</a:t>
+            </a:r>
+            <a:endParaRPr lang="en-US" sz="2800" dirty="0">
+              <a:solidFill>
+                <a:srgbClr val="003262"/>
+              </a:solidFill>
+            </a:endParaRPr>
+          </a:p>
+        </p:txBody>
+      </p:sp>
+    </p:spTree>
+    <p:extLst>
+      <p:ext uri="{BB962C8B-B14F-4D97-AF65-F5344CB8AC3E}">
+        <p14:creationId xmlns:p14="http://schemas.microsoft.com/office/powerpoint/2010/main" val="1418611575"/>
+      </p:ext>
+    </p:extLst>
+  </p:cSld>
+  <p:clrMapOvr>
+    <a:masterClrMapping/>
+  </p:clrMapOvr>
+  <mc:AlternateContent xmlns:mc="http://schemas.openxmlformats.org/markup-compatibility/2006" xmlns:p14="http://schemas.microsoft.com/office/powerpoint/2010/main">
+    <mc:Choice Requires="p14">
+      <p:transition spd="slow" p14:dur="2000"/>
+    </mc:Choice>
+    <mc:Fallback xmlns="">
+      <p:transition spd="slow"/>
+    </mc:Fallback>
+  </mc:AlternateContent>
+  <p:timing>
+    <p:tnLst>
+      <p:par>
+        <p:cTn id="1" dur="indefinite" restart="never" nodeType="tmRoot"/>
+      </p:par>
+    </p:tnLst>
+  </p:timing>
+</p:sld>
+</file>
+
+<file path=ppt/slides/slide6.xml><?xml version="1.0" encoding="utf-8"?>
+<p:sld xmlns:a="http://schemas.openxmlformats.org/drawingml/2006/main" xmlns:r="http://schemas.openxmlformats.org/officeDocument/2006/relationships" xmlns:p="http://schemas.openxmlformats.org/presentationml/2006/main">
+  <p:cSld>
+    <p:spTree>
+      <p:nvGrpSpPr>
+        <p:cNvPr id="1" name=""/>
+        <p:cNvGrpSpPr/>
+        <p:nvPr/>
+      </p:nvGrpSpPr>
+      <p:grpSpPr>
+        <a:xfrm>
+          <a:off x="0" y="0"/>
+          <a:ext cx="0" cy="0"/>
+          <a:chOff x="0" y="0"/>
+          <a:chExt cx="0" cy="0"/>
+        </a:xfrm>
+      </p:grpSpPr>
+      <p:sp>
+        <p:nvSpPr>
+          <p:cNvPr id="2" name="Title 1"/>
+          <p:cNvSpPr>
+            <a:spLocks noGrp="1"/>
+          </p:cNvSpPr>
+          <p:nvPr>
+            <p:ph type="title"/>
+          </p:nvPr>
+        </p:nvSpPr>
+        <p:spPr>
+          <a:xfrm>
+            <a:off x="457200" y="273876"/>
+            <a:ext cx="8446168" cy="1150353"/>
+          </a:xfrm>
+        </p:spPr>
+        <p:txBody>
+          <a:bodyPr>
+            <a:normAutofit/>
+          </a:bodyPr>
+          <a:lstStyle/>
+          <a:p>
+            <a:pPr algn="ctr"/>
+            <a:r>
+              <a:rPr lang="en-US" sz="2800" b="1" dirty="0" smtClean="0">
+                <a:solidFill>
+                  <a:srgbClr val="003262"/>
+                </a:solidFill>
+              </a:rPr>
+              <a:t>Working with </a:t>
+            </a:r>
+            <a:r>
+              <a:rPr lang="en-US" sz="2800" b="1" dirty="0" err="1" smtClean="0">
+                <a:solidFill>
+                  <a:srgbClr val="003262"/>
+                </a:solidFill>
+              </a:rPr>
+              <a:t>CartoDB</a:t>
+            </a:r>
+            <a:r>
+              <a:rPr lang="en-US" sz="2800" b="1" dirty="0" smtClean="0">
+                <a:solidFill>
+                  <a:srgbClr val="003262"/>
+                </a:solidFill>
+              </a:rPr>
+              <a:t> </a:t>
+            </a:r>
+            <a:br>
+              <a:rPr lang="en-US" sz="2800" b="1" dirty="0" smtClean="0">
+                <a:solidFill>
+                  <a:srgbClr val="003262"/>
+                </a:solidFill>
+              </a:rPr>
+            </a:br>
+            <a:r>
+              <a:rPr lang="en-US" sz="2800" b="1" dirty="0" smtClean="0">
+                <a:solidFill>
+                  <a:srgbClr val="003262"/>
+                </a:solidFill>
+              </a:rPr>
+              <a:t>(and other JSON/</a:t>
+            </a:r>
+            <a:r>
+              <a:rPr lang="en-US" sz="2800" b="1" dirty="0" err="1" smtClean="0">
+                <a:solidFill>
+                  <a:srgbClr val="003262"/>
+                </a:solidFill>
+              </a:rPr>
+              <a:t>GeoJSON</a:t>
+            </a:r>
+            <a:r>
+              <a:rPr lang="en-US" sz="2800" b="1" smtClean="0">
+                <a:solidFill>
+                  <a:srgbClr val="003262"/>
+                </a:solidFill>
+              </a:rPr>
+              <a:t> consumers)</a:t>
+            </a:r>
+            <a:endParaRPr lang="en-US" sz="2800" dirty="0">
+              <a:solidFill>
+                <a:srgbClr val="003262"/>
+              </a:solidFill>
+            </a:endParaRPr>
+          </a:p>
+        </p:txBody>
+      </p:sp>
+    </p:spTree>
+    <p:extLst>
+      <p:ext uri="{BB962C8B-B14F-4D97-AF65-F5344CB8AC3E}">
+        <p14:creationId xmlns:p14="http://schemas.microsoft.com/office/powerpoint/2010/main" val="3414843280"/>
+      </p:ext>
+    </p:extLst>
+  </p:cSld>
+  <p:clrMapOvr>
+    <a:masterClrMapping/>
+  </p:clrMapOvr>
+  <mc:AlternateContent xmlns:mc="http://schemas.openxmlformats.org/markup-compatibility/2006" xmlns:p14="http://schemas.microsoft.com/office/powerpoint/2010/main">
+    <mc:Choice Requires="p14">
+      <p:transition spd="slow" p14:dur="2000"/>
+    </mc:Choice>
+    <mc:Fallback xmlns="">
+      <p:transition spd="slow"/>
+    </mc:Fallback>
+  </mc:AlternateContent>
+  <p:timing>
+    <p:tnLst>
+      <p:par>
+        <p:cTn id="1" dur="indefinite" restart="never" nodeType="tmRoot"/>
+      </p:par>
+    </p:tnLst>
+  </p:timing>
+</p:sld>
+</file>
+
+<file path=ppt/slides/slide7.xml><?xml version="1.0" encoding="utf-8"?>
 <p:sld xmlns:a="http://schemas.openxmlformats.org/drawingml/2006/main" xmlns:r="http://schemas.openxmlformats.org/officeDocument/2006/relationships" xmlns:p="http://schemas.openxmlformats.org/presentationml/2006/main">
   <p:cSld>
     <p:spTree>

--- a/docs/VTM_Photo_rehoot_Falk.pptx
+++ b/docs/VTM_Photo_rehoot_Falk.pptx
@@ -4952,7 +4952,7 @@
         <p:spPr>
           <a:xfrm>
             <a:off x="1066800" y="1600200"/>
-            <a:ext cx="7315200" cy="1569660"/>
+            <a:ext cx="7315200" cy="2308324"/>
           </a:xfrm>
           <a:prstGeom prst="rect">
             <a:avLst/>
@@ -5012,6 +5012,44 @@
             <a:r>
               <a:rPr lang="en-US" sz="2400" dirty="0" err="1" smtClean="0"/>
               <a:t>hackathon</a:t>
+            </a:r>
+            <a:endParaRPr lang="en-US" sz="2400" dirty="0" smtClean="0"/>
+          </a:p>
+          <a:p>
+            <a:pPr marL="285750" indent="-285750">
+              <a:buFontTx/>
+              <a:buChar char="-"/>
+            </a:pPr>
+            <a:endParaRPr lang="en-US" sz="2400" dirty="0"/>
+          </a:p>
+          <a:p>
+            <a:r>
+              <a:rPr lang="en-US" sz="2400" dirty="0" smtClean="0"/>
+              <a:t>(</a:t>
+            </a:r>
+            <a:r>
+              <a:rPr lang="en-US" sz="2400" dirty="0" err="1" smtClean="0"/>
+              <a:t>ssh</a:t>
+            </a:r>
+            <a:r>
+              <a:rPr lang="en-US" sz="2400" dirty="0"/>
+              <a:t>: </a:t>
+            </a:r>
+            <a:r>
+              <a:rPr lang="en-US" sz="2400" dirty="0" err="1" smtClean="0"/>
+              <a:t>git@github.com:berkeley-gif</a:t>
+            </a:r>
+            <a:r>
+              <a:rPr lang="en-US" sz="2400" dirty="0" smtClean="0"/>
+              <a:t>/</a:t>
+            </a:r>
+            <a:r>
+              <a:rPr lang="en-US" sz="2400" dirty="0" err="1" smtClean="0"/>
+              <a:t>reshoot.git</a:t>
+            </a:r>
+            <a:r>
+              <a:rPr lang="en-US" sz="2400" smtClean="0"/>
+              <a:t>) </a:t>
             </a:r>
             <a:endParaRPr lang="en-US" sz="2400" dirty="0" smtClean="0"/>
           </a:p>
@@ -5734,7 +5772,7 @@
               <a:t>GeoJSON</a:t>
             </a:r>
             <a:r>
-              <a:rPr lang="en-US" sz="2800" b="1" smtClean="0">
+              <a:rPr lang="en-US" sz="2800" b="1" dirty="0" smtClean="0">
                 <a:solidFill>
                   <a:srgbClr val="003262"/>
                 </a:solidFill>

--- a/docs/VTM_Photo_rehoot_Falk.pptx
+++ b/docs/VTM_Photo_rehoot_Falk.pptx
@@ -6,7 +6,7 @@
     <p:sldMasterId id="2147483674" r:id="rId2"/>
   </p:sldMasterIdLst>
   <p:notesMasterIdLst>
-    <p:notesMasterId r:id="rId10"/>
+    <p:notesMasterId r:id="rId11"/>
   </p:notesMasterIdLst>
   <p:sldIdLst>
     <p:sldId id="378" r:id="rId3"/>
@@ -15,7 +15,8 @@
     <p:sldId id="382" r:id="rId6"/>
     <p:sldId id="383" r:id="rId7"/>
     <p:sldId id="384" r:id="rId8"/>
-    <p:sldId id="379" r:id="rId9"/>
+    <p:sldId id="386" r:id="rId9"/>
+    <p:sldId id="385" r:id="rId10"/>
   </p:sldIdLst>
   <p:sldSz cx="9144000" cy="6858000" type="screen4x3"/>
   <p:notesSz cx="6858000" cy="9144000"/>
@@ -1273,7 +1274,7 @@
                 </a:solidFill>
               </a:rPr>
               <a:pPr/>
-              <a:t>5/23/2013</a:t>
+              <a:t>5/24/2013</a:t>
             </a:fld>
             <a:endParaRPr lang="en-US" dirty="0">
               <a:solidFill>
@@ -4465,7 +4466,7 @@
                   <a:spcPts val="0"/>
                 </a:spcAft>
               </a:pPr>
-              <a:t>5/23/2013</a:t>
+              <a:t>5/24/2013</a:t>
             </a:fld>
             <a:endParaRPr lang="en-US" dirty="0">
               <a:solidFill>
@@ -4952,7 +4953,7 @@
         <p:spPr>
           <a:xfrm>
             <a:off x="1066800" y="1600200"/>
-            <a:ext cx="7315200" cy="2308324"/>
+            <a:ext cx="7315200" cy="2677656"/>
           </a:xfrm>
           <a:prstGeom prst="rect">
             <a:avLst/>
@@ -4998,6 +4999,21 @@
               <a:buFontTx/>
               <a:buChar char="-"/>
             </a:pPr>
+            <a:r>
+              <a:rPr lang="en-US" sz="2400" dirty="0"/>
+              <a:t>s</a:t>
+            </a:r>
+            <a:r>
+              <a:rPr lang="en-US" sz="2400" dirty="0" smtClean="0"/>
+              <a:t>omewhat more complex leaflet example</a:t>
+            </a:r>
+            <a:endParaRPr lang="en-US" sz="2400" dirty="0" smtClean="0"/>
+          </a:p>
+          <a:p>
+            <a:pPr marL="285750" indent="-285750">
+              <a:buFontTx/>
+              <a:buChar char="-"/>
+            </a:pPr>
             <a:endParaRPr lang="en-US" sz="2400" dirty="0" smtClean="0"/>
           </a:p>
           <a:p>
@@ -5048,10 +5064,9 @@
               <a:t>reshoot.git</a:t>
             </a:r>
             <a:r>
-              <a:rPr lang="en-US" sz="2400" smtClean="0"/>
+              <a:rPr lang="en-US" sz="2400" dirty="0" smtClean="0"/>
               <a:t>) </a:t>
             </a:r>
-            <a:endParaRPr lang="en-US" sz="2400" dirty="0" smtClean="0"/>
           </a:p>
         </p:txBody>
       </p:sp>
@@ -5166,12 +5181,20 @@
               <a:buChar char="-"/>
             </a:pPr>
             <a:r>
+              <a:rPr lang="en-US" sz="2400" dirty="0" err="1"/>
+              <a:t>b</a:t>
+            </a:r>
+            <a:r>
               <a:rPr lang="en-US" sz="2400" dirty="0" err="1" smtClean="0"/>
-              <a:t>Browsable</a:t>
+              <a:t>rowsable</a:t>
             </a:r>
             <a:r>
               <a:rPr lang="en-US" sz="2400" dirty="0" smtClean="0"/>
-              <a:t> API</a:t>
+              <a:t> </a:t>
+            </a:r>
+            <a:r>
+              <a:rPr lang="en-US" sz="2400" dirty="0" smtClean="0"/>
+              <a:t>API</a:t>
             </a:r>
           </a:p>
           <a:p>
@@ -5187,8 +5210,16 @@
               <a:buChar char="-"/>
             </a:pPr>
             <a:r>
+              <a:rPr lang="en-US" sz="2400" dirty="0"/>
+              <a:t>s</a:t>
+            </a:r>
+            <a:r>
               <a:rPr lang="en-US" sz="2400" dirty="0" smtClean="0"/>
-              <a:t>Start here ecoengine.berkeley.edu/</a:t>
+              <a:t>tart </a:t>
+            </a:r>
+            <a:r>
+              <a:rPr lang="en-US" sz="2400" dirty="0" smtClean="0"/>
+              <a:t>here ecoengine.berkeley.edu/</a:t>
             </a:r>
             <a:r>
               <a:rPr lang="en-US" sz="2400" dirty="0" err="1" smtClean="0"/>
@@ -5206,11 +5237,15 @@
             </a:pPr>
             <a:r>
               <a:rPr lang="en-US" sz="2400" dirty="0"/>
-              <a:t>N</a:t>
+              <a:t>n</a:t>
             </a:r>
             <a:r>
               <a:rPr lang="en-US" sz="2400" dirty="0" smtClean="0"/>
-              <a:t>avigate through resources to find/construct the appropriate URL</a:t>
+              <a:t>avigate </a:t>
+            </a:r>
+            <a:r>
+              <a:rPr lang="en-US" sz="2400" dirty="0" smtClean="0"/>
+              <a:t>through resources to find/construct the appropriate URL</a:t>
             </a:r>
           </a:p>
           <a:p>
@@ -5226,8 +5261,16 @@
               <a:buChar char="-"/>
             </a:pPr>
             <a:r>
+              <a:rPr lang="en-US" sz="2400" dirty="0"/>
+              <a:t>c</a:t>
+            </a:r>
+            <a:r>
               <a:rPr lang="en-US" sz="2400" dirty="0" smtClean="0"/>
-              <a:t>Copy URL into your project code</a:t>
+              <a:t>opy </a:t>
+            </a:r>
+            <a:r>
+              <a:rPr lang="en-US" sz="2400" dirty="0" smtClean="0"/>
+              <a:t>URL into your project code</a:t>
             </a:r>
           </a:p>
           <a:p>
@@ -5243,9 +5286,22 @@
               <a:buChar char="-"/>
             </a:pPr>
             <a:r>
+              <a:rPr lang="en-US" sz="2400" dirty="0"/>
+              <a:t>p</a:t>
+            </a:r>
+            <a:r>
               <a:rPr lang="en-US" sz="2400" dirty="0" smtClean="0"/>
-              <a:t>Persistence!? </a:t>
-            </a:r>
+              <a:t>ersistence</a:t>
+            </a:r>
+            <a:r>
+              <a:rPr lang="en-US" sz="2400" dirty="0" smtClean="0"/>
+              <a:t>!? </a:t>
+            </a:r>
+            <a:r>
+              <a:rPr lang="en-US" sz="2400" dirty="0" smtClean="0"/>
+              <a:t>(navigate API dynamically for now)</a:t>
+            </a:r>
+            <a:endParaRPr lang="en-US" sz="2400" dirty="0" smtClean="0"/>
           </a:p>
         </p:txBody>
       </p:sp>
@@ -5572,6 +5628,217 @@
           </a:p>
         </p:txBody>
       </p:sp>
+      <p:sp>
+        <p:nvSpPr>
+          <p:cNvPr id="3" name="TextBox 2"/>
+          <p:cNvSpPr txBox="1"/>
+          <p:nvPr/>
+        </p:nvSpPr>
+        <p:spPr>
+          <a:xfrm>
+            <a:off x="533400" y="1143000"/>
+            <a:ext cx="8077200" cy="4524315"/>
+          </a:xfrm>
+          <a:prstGeom prst="rect">
+            <a:avLst/>
+          </a:prstGeom>
+          <a:noFill/>
+        </p:spPr>
+        <p:txBody>
+          <a:bodyPr wrap="square" rtlCol="0">
+            <a:spAutoFit/>
+          </a:bodyPr>
+          <a:lstStyle/>
+          <a:p>
+            <a:r>
+              <a:rPr lang="en-US" dirty="0" err="1" smtClean="0"/>
+              <a:t>GeoJSON</a:t>
+            </a:r>
+            <a:r>
+              <a:rPr lang="en-US" dirty="0" smtClean="0"/>
+              <a:t> for all resources with geographic information</a:t>
+            </a:r>
+          </a:p>
+          <a:p>
+            <a:r>
+              <a:rPr lang="en-US" dirty="0" smtClean="0"/>
+              <a:t>Example:</a:t>
+            </a:r>
+          </a:p>
+          <a:p>
+            <a:endParaRPr lang="en-US" dirty="0"/>
+          </a:p>
+          <a:p>
+            <a:r>
+              <a:rPr lang="en-US" sz="1200" dirty="0" smtClean="0"/>
+              <a:t>{</a:t>
+            </a:r>
+          </a:p>
+          <a:p>
+            <a:r>
+              <a:rPr lang="en-US" sz="1200" dirty="0" smtClean="0"/>
+              <a:t>“type”: “</a:t>
+            </a:r>
+            <a:r>
+              <a:rPr lang="en-US" sz="1200" dirty="0" err="1" smtClean="0"/>
+              <a:t>FeatureCollection</a:t>
+            </a:r>
+            <a:r>
+              <a:rPr lang="en-US" sz="1200" dirty="0" smtClean="0"/>
+              <a:t>,</a:t>
+            </a:r>
+          </a:p>
+          <a:p>
+            <a:r>
+              <a:rPr lang="en-US" sz="1200" dirty="0" smtClean="0"/>
+              <a:t>“features”: [</a:t>
+            </a:r>
+          </a:p>
+          <a:p>
+            <a:r>
+              <a:rPr lang="en-US" sz="1200" dirty="0" smtClean="0"/>
+              <a:t>	“type”: “Feature”,</a:t>
+            </a:r>
+          </a:p>
+          <a:p>
+            <a:r>
+              <a:rPr lang="en-US" sz="1200" dirty="0"/>
+              <a:t>	</a:t>
+            </a:r>
+            <a:r>
+              <a:rPr lang="en-US" sz="1200" dirty="0" smtClean="0"/>
+              <a:t>“geometry”: </a:t>
+            </a:r>
+          </a:p>
+          <a:p>
+            <a:r>
+              <a:rPr lang="en-US" sz="1200" dirty="0"/>
+              <a:t>	</a:t>
+            </a:r>
+            <a:r>
+              <a:rPr lang="en-US" sz="1200" dirty="0" smtClean="0"/>
+              <a:t>	…</a:t>
+            </a:r>
+          </a:p>
+          <a:p>
+            <a:r>
+              <a:rPr lang="en-US" sz="1200" dirty="0"/>
+              <a:t>	</a:t>
+            </a:r>
+            <a:r>
+              <a:rPr lang="en-US" sz="1200" dirty="0" smtClean="0"/>
+              <a:t>“properties”, {</a:t>
+            </a:r>
+          </a:p>
+          <a:p>
+            <a:r>
+              <a:rPr lang="en-US" sz="1200" dirty="0"/>
+              <a:t>	</a:t>
+            </a:r>
+            <a:r>
+              <a:rPr lang="en-US" sz="1200" dirty="0" smtClean="0"/>
+              <a:t>	“authors”: “</a:t>
+            </a:r>
+            <a:r>
+              <a:rPr lang="en-US" sz="1200" dirty="0" err="1" smtClean="0"/>
+              <a:t>Wieslander</a:t>
+            </a:r>
+            <a:r>
+              <a:rPr lang="en-US" sz="1200" dirty="0" smtClean="0"/>
+              <a:t>”,</a:t>
+            </a:r>
+          </a:p>
+          <a:p>
+            <a:r>
+              <a:rPr lang="en-US" sz="1200" dirty="0"/>
+              <a:t>	</a:t>
+            </a:r>
+            <a:r>
+              <a:rPr lang="en-US" sz="1200" dirty="0" smtClean="0"/>
+              <a:t>	“</a:t>
+            </a:r>
+            <a:r>
+              <a:rPr lang="en-US" sz="1200" dirty="0" err="1" smtClean="0"/>
+              <a:t>begin_date</a:t>
+            </a:r>
+            <a:r>
+              <a:rPr lang="en-US" sz="1200" dirty="0" smtClean="0"/>
+              <a:t>”: “1931-03-01”,</a:t>
+            </a:r>
+          </a:p>
+          <a:p>
+            <a:r>
+              <a:rPr lang="en-US" sz="1200" dirty="0" smtClean="0"/>
+              <a:t>		…</a:t>
+            </a:r>
+          </a:p>
+          <a:p>
+            <a:r>
+              <a:rPr lang="en-US" sz="1200" dirty="0"/>
+              <a:t>	</a:t>
+            </a:r>
+            <a:r>
+              <a:rPr lang="en-US" sz="1200" dirty="0" smtClean="0"/>
+              <a:t>	}</a:t>
+            </a:r>
+            <a:endParaRPr lang="en-US" sz="1200" dirty="0"/>
+          </a:p>
+          <a:p>
+            <a:r>
+              <a:rPr lang="en-US" sz="1200" dirty="0" smtClean="0"/>
+              <a:t>	],</a:t>
+            </a:r>
+          </a:p>
+          <a:p>
+            <a:r>
+              <a:rPr lang="en-US" sz="1200" dirty="0"/>
+              <a:t>	</a:t>
+            </a:r>
+            <a:r>
+              <a:rPr lang="en-US" sz="1200" dirty="0" smtClean="0"/>
+              <a:t>[…],</a:t>
+            </a:r>
+          </a:p>
+          <a:p>
+            <a:r>
+              <a:rPr lang="en-US" sz="1200" dirty="0"/>
+              <a:t>	</a:t>
+            </a:r>
+            <a:r>
+              <a:rPr lang="en-US" sz="1200" dirty="0" smtClean="0"/>
+              <a:t>[…]</a:t>
+            </a:r>
+          </a:p>
+          <a:p>
+            <a:r>
+              <a:rPr lang="en-US" sz="1200" dirty="0"/>
+              <a:t>}</a:t>
+            </a:r>
+            <a:endParaRPr lang="en-US" sz="1200" dirty="0" smtClean="0"/>
+          </a:p>
+          <a:p>
+            <a:endParaRPr lang="en-US" dirty="0" smtClean="0"/>
+          </a:p>
+          <a:p>
+            <a:r>
+              <a:rPr lang="en-US" dirty="0">
+                <a:hlinkClick r:id="rId2"/>
+              </a:rPr>
+              <a:t>http://</a:t>
+            </a:r>
+            <a:r>
+              <a:rPr lang="en-US" dirty="0" smtClean="0">
+                <a:hlinkClick r:id="rId2"/>
+              </a:rPr>
+              <a:t>www.geojson.org/geojson-spec.html</a:t>
+            </a:r>
+            <a:r>
+              <a:rPr lang="en-US" dirty="0" smtClean="0"/>
+              <a:t> (we might add other JSON flavors in the future, e.g. Google)</a:t>
+            </a:r>
+          </a:p>
+        </p:txBody>
+      </p:sp>
     </p:spTree>
     <p:extLst>
       <p:ext uri="{BB962C8B-B14F-4D97-AF65-F5344CB8AC3E}">
@@ -5653,6 +5920,149 @@
                 <a:srgbClr val="003262"/>
               </a:solidFill>
             </a:endParaRPr>
+          </a:p>
+        </p:txBody>
+      </p:sp>
+      <p:sp>
+        <p:nvSpPr>
+          <p:cNvPr id="3" name="TextBox 2"/>
+          <p:cNvSpPr txBox="1"/>
+          <p:nvPr/>
+        </p:nvSpPr>
+        <p:spPr>
+          <a:xfrm>
+            <a:off x="762000" y="1515070"/>
+            <a:ext cx="7924800" cy="3785652"/>
+          </a:xfrm>
+          <a:prstGeom prst="rect">
+            <a:avLst/>
+          </a:prstGeom>
+          <a:noFill/>
+        </p:spPr>
+        <p:txBody>
+          <a:bodyPr wrap="square" rtlCol="0">
+            <a:spAutoFit/>
+          </a:bodyPr>
+          <a:lstStyle/>
+          <a:p>
+            <a:r>
+              <a:rPr lang="en-US" dirty="0" smtClean="0"/>
+              <a:t>= </a:t>
+            </a:r>
+            <a:r>
+              <a:rPr lang="en-US" sz="2000" dirty="0" smtClean="0"/>
+              <a:t>Cross-origin Resource Sharing </a:t>
+            </a:r>
+          </a:p>
+          <a:p>
+            <a:endParaRPr lang="en-US" sz="2000" dirty="0"/>
+          </a:p>
+          <a:p>
+            <a:pPr marL="285750" indent="-285750">
+              <a:buFontTx/>
+              <a:buChar char="-"/>
+            </a:pPr>
+            <a:r>
+              <a:rPr lang="en-US" sz="2000" dirty="0" smtClean="0"/>
+              <a:t>newer approach to the problem of cross domain requests</a:t>
+            </a:r>
+          </a:p>
+          <a:p>
+            <a:pPr marL="285750" indent="-285750">
+              <a:buFontTx/>
+              <a:buChar char="-"/>
+            </a:pPr>
+            <a:r>
+              <a:rPr lang="en-US" sz="2000" dirty="0"/>
+              <a:t>s</a:t>
+            </a:r>
+            <a:r>
+              <a:rPr lang="en-US" sz="2000" dirty="0" smtClean="0"/>
+              <a:t>afer then JSONP but dependent on newer browsers</a:t>
+            </a:r>
+          </a:p>
+          <a:p>
+            <a:pPr marL="285750" indent="-285750">
+              <a:buFontTx/>
+              <a:buChar char="-"/>
+            </a:pPr>
+            <a:r>
+              <a:rPr lang="en-US" sz="2000" dirty="0" smtClean="0"/>
+              <a:t>You can use resources like they were on the same server as your scripts – permissions set server side</a:t>
+            </a:r>
+          </a:p>
+          <a:p>
+            <a:pPr marL="285750" indent="-285750">
+              <a:buFontTx/>
+              <a:buChar char="-"/>
+            </a:pPr>
+            <a:endParaRPr lang="en-US" sz="2000" dirty="0"/>
+          </a:p>
+          <a:p>
+            <a:pPr marL="285750" indent="-285750">
+              <a:buFontTx/>
+              <a:buChar char="-"/>
+            </a:pPr>
+            <a:r>
+              <a:rPr lang="en-US" sz="2000" dirty="0" smtClean="0"/>
+              <a:t>@</a:t>
+            </a:r>
+            <a:r>
+              <a:rPr lang="en-US" sz="2000" dirty="0" err="1" smtClean="0"/>
+              <a:t>ecoengine</a:t>
+            </a:r>
+            <a:r>
+              <a:rPr lang="en-US" sz="2000" dirty="0" smtClean="0"/>
+              <a:t> </a:t>
+            </a:r>
+            <a:r>
+              <a:rPr lang="en-US" sz="2000" dirty="0" smtClean="0">
+                <a:sym typeface="Wingdings" pitchFamily="2" charset="2"/>
+              </a:rPr>
+              <a:t> currently allows GET request from all origins</a:t>
+            </a:r>
+          </a:p>
+          <a:p>
+            <a:pPr marL="285750" indent="-285750">
+              <a:buFontTx/>
+              <a:buChar char="-"/>
+            </a:pPr>
+            <a:endParaRPr lang="en-US" sz="2000" dirty="0">
+              <a:sym typeface="Wingdings" pitchFamily="2" charset="2"/>
+            </a:endParaRPr>
+          </a:p>
+          <a:p>
+            <a:pPr marL="285750" indent="-285750">
+              <a:buFontTx/>
+              <a:buChar char="-"/>
+            </a:pPr>
+            <a:endParaRPr lang="en-US" sz="2000" dirty="0" smtClean="0">
+              <a:sym typeface="Wingdings" pitchFamily="2" charset="2"/>
+            </a:endParaRPr>
+          </a:p>
+          <a:p>
+            <a:pPr marL="285750" indent="-285750">
+              <a:buFontTx/>
+              <a:buChar char="-"/>
+            </a:pPr>
+            <a:r>
+              <a:rPr lang="en-US" sz="2000" dirty="0" smtClean="0">
+                <a:sym typeface="Wingdings" pitchFamily="2" charset="2"/>
+              </a:rPr>
+              <a:t>Just FYI. Do not worry about it. You can access the </a:t>
+            </a:r>
+            <a:r>
+              <a:rPr lang="en-US" sz="2000" dirty="0" err="1" smtClean="0">
+                <a:sym typeface="Wingdings" pitchFamily="2" charset="2"/>
+              </a:rPr>
+              <a:t>Ecoengine</a:t>
+            </a:r>
+            <a:r>
+              <a:rPr lang="en-US" sz="2000" dirty="0" smtClean="0">
+                <a:sym typeface="Wingdings" pitchFamily="2" charset="2"/>
+              </a:rPr>
+              <a:t> from JS</a:t>
+            </a:r>
           </a:p>
         </p:txBody>
       </p:sp>
@@ -5787,6 +6197,103 @@
           </a:p>
         </p:txBody>
       </p:sp>
+      <p:sp>
+        <p:nvSpPr>
+          <p:cNvPr id="4" name="TextBox 3"/>
+          <p:cNvSpPr txBox="1"/>
+          <p:nvPr/>
+        </p:nvSpPr>
+        <p:spPr>
+          <a:xfrm>
+            <a:off x="1066800" y="1752600"/>
+            <a:ext cx="7467600" cy="3416320"/>
+          </a:xfrm>
+          <a:prstGeom prst="rect">
+            <a:avLst/>
+          </a:prstGeom>
+          <a:noFill/>
+        </p:spPr>
+        <p:txBody>
+          <a:bodyPr wrap="square" rtlCol="0">
+            <a:spAutoFit/>
+          </a:bodyPr>
+          <a:lstStyle/>
+          <a:p>
+            <a:r>
+              <a:rPr lang="en-US" dirty="0" smtClean="0"/>
+              <a:t>cartodb.com</a:t>
+            </a:r>
+          </a:p>
+          <a:p>
+            <a:endParaRPr lang="en-US" dirty="0"/>
+          </a:p>
+          <a:p>
+            <a:r>
+              <a:rPr lang="en-US" dirty="0"/>
+              <a:t>b</a:t>
+            </a:r>
+            <a:r>
+              <a:rPr lang="en-US" dirty="0" smtClean="0"/>
+              <a:t>rowse API to find what you want </a:t>
+            </a:r>
+          </a:p>
+          <a:p>
+            <a:endParaRPr lang="en-US" dirty="0"/>
+          </a:p>
+          <a:p>
+            <a:r>
+              <a:rPr lang="en-US" dirty="0" smtClean="0"/>
+              <a:t>Example:</a:t>
+            </a:r>
+          </a:p>
+          <a:p>
+            <a:endParaRPr lang="en-US" dirty="0"/>
+          </a:p>
+          <a:p>
+            <a:r>
+              <a:rPr lang="en-US" dirty="0"/>
+              <a:t>http://ecoengine.berkeley.edu/api/photos/?</a:t>
+            </a:r>
+            <a:r>
+              <a:rPr lang="en-US" dirty="0">
+                <a:solidFill>
+                  <a:schemeClr val="accent6"/>
+                </a:solidFill>
+              </a:rPr>
+              <a:t>format=json</a:t>
+            </a:r>
+            <a:r>
+              <a:rPr lang="en-US" dirty="0"/>
+              <a:t>&amp;page_size=200</a:t>
+            </a:r>
+            <a:endParaRPr lang="en-US" dirty="0" smtClean="0"/>
+          </a:p>
+          <a:p>
+            <a:endParaRPr lang="en-US" dirty="0" smtClean="0"/>
+          </a:p>
+          <a:p>
+            <a:r>
+              <a:rPr lang="en-US" dirty="0" smtClean="0"/>
+              <a:t>(content negotiation does not work so well – maybe we can fix that?)</a:t>
+            </a:r>
+          </a:p>
+          <a:p>
+            <a:endParaRPr lang="en-US" dirty="0"/>
+          </a:p>
+          <a:p>
+            <a:r>
+              <a:rPr lang="en-US" dirty="0" smtClean="0">
+                <a:sym typeface="Wingdings" pitchFamily="2" charset="2"/>
+              </a:rPr>
+              <a:t> create new table paste link – load data</a:t>
+            </a:r>
+            <a:endParaRPr lang="en-US" dirty="0"/>
+          </a:p>
+          <a:p>
+            <a:endParaRPr lang="en-US" dirty="0"/>
+          </a:p>
+        </p:txBody>
+      </p:sp>
     </p:spTree>
     <p:extLst>
       <p:ext uri="{BB962C8B-B14F-4D97-AF65-F5344CB8AC3E}">
@@ -5854,15 +6361,16 @@
           </a:bodyPr>
           <a:lstStyle/>
           <a:p>
-            <a:r>
-              <a:rPr lang="en-US" sz="4500" b="1" dirty="0" smtClean="0">
+            <a:pPr algn="ctr"/>
+            <a:r>
+              <a:rPr lang="en-US" sz="2800" b="1" dirty="0" smtClean="0">
                 <a:solidFill>
                   <a:srgbClr val="003262"/>
                 </a:solidFill>
               </a:rPr>
-              <a:t>Advancing Research</a:t>
-            </a:r>
-            <a:endParaRPr lang="en-US" sz="4500" dirty="0">
+              <a:t>What can we achieve within the next two days?</a:t>
+            </a:r>
+            <a:endParaRPr lang="en-US" sz="2800" dirty="0">
               <a:solidFill>
                 <a:srgbClr val="003262"/>
               </a:solidFill>
@@ -5870,51 +6378,311 @@
           </a:p>
         </p:txBody>
       </p:sp>
-      <p:pic>
-        <p:nvPicPr>
-          <p:cNvPr id="3074" name="Picture 2" descr="C:\Users\kkoy\AppData\Local\Temp\Engine Research Development Sketch.png"/>
-          <p:cNvPicPr>
-            <a:picLocks noChangeAspect="1" noChangeArrowheads="1"/>
-          </p:cNvPicPr>
+      <p:sp>
+        <p:nvSpPr>
+          <p:cNvPr id="4" name="TextBox 3"/>
+          <p:cNvSpPr txBox="1"/>
           <p:nvPr/>
-        </p:nvPicPr>
-        <p:blipFill>
-          <a:blip r:embed="rId2">
-            <a:extLst>
-              <a:ext uri="{28A0092B-C50C-407E-A947-70E740481C1C}">
-                <a14:useLocalDpi xmlns:a14="http://schemas.microsoft.com/office/drawing/2010/main" val="0"/>
-              </a:ext>
-            </a:extLst>
-          </a:blip>
-          <a:srcRect/>
-          <a:stretch>
-            <a:fillRect/>
-          </a:stretch>
-        </p:blipFill>
-        <p:spPr bwMode="auto">
+        </p:nvSpPr>
+        <p:spPr>
           <a:xfrm>
-            <a:off x="1230701" y="1497903"/>
-            <a:ext cx="6744065" cy="4086903"/>
+            <a:off x="1066800" y="1752600"/>
+            <a:ext cx="7467600" cy="2862322"/>
           </a:xfrm>
           <a:prstGeom prst="rect">
             <a:avLst/>
           </a:prstGeom>
           <a:noFill/>
-          <a:extLst>
-            <a:ext uri="{909E8E84-426E-40DD-AFC4-6F175D3DCCD1}">
-              <a14:hiddenFill xmlns:a14="http://schemas.microsoft.com/office/drawing/2010/main">
-                <a:solidFill>
-                  <a:srgbClr val="FFFFFF"/>
-                </a:solidFill>
-              </a14:hiddenFill>
-            </a:ext>
-          </a:extLst>
         </p:spPr>
-      </p:pic>
+        <p:txBody>
+          <a:bodyPr wrap="square" rtlCol="0">
+            <a:spAutoFit/>
+          </a:bodyPr>
+          <a:lstStyle/>
+          <a:p>
+            <a:pPr marL="342900" indent="-342900">
+              <a:buAutoNum type="arabicPeriod"/>
+            </a:pPr>
+            <a:r>
+              <a:rPr lang="en-US" dirty="0" smtClean="0"/>
+              <a:t>Photo selection for reshoot and tacking</a:t>
+            </a:r>
+          </a:p>
+          <a:p>
+            <a:pPr marL="342900" indent="-342900">
+              <a:buAutoNum type="arabicPeriod"/>
+            </a:pPr>
+            <a:endParaRPr lang="en-US" dirty="0" smtClean="0"/>
+          </a:p>
+          <a:p>
+            <a:pPr marL="342900" indent="-342900">
+              <a:buAutoNum type="arabicPeriod"/>
+            </a:pPr>
+            <a:r>
+              <a:rPr lang="en-US" dirty="0" smtClean="0"/>
+              <a:t>Browser showing changes over time</a:t>
+            </a:r>
+          </a:p>
+          <a:p>
+            <a:pPr marL="342900" indent="-342900">
+              <a:buAutoNum type="arabicPeriod"/>
+            </a:pPr>
+            <a:endParaRPr lang="en-US" dirty="0"/>
+          </a:p>
+          <a:p>
+            <a:pPr marL="342900" indent="-342900">
+              <a:buAutoNum type="arabicPeriod"/>
+            </a:pPr>
+            <a:r>
+              <a:rPr lang="en-US" dirty="0" smtClean="0"/>
+              <a:t>Mobile App for finding places and showing the original for comparison.</a:t>
+            </a:r>
+          </a:p>
+          <a:p>
+            <a:endParaRPr lang="en-US" dirty="0" smtClean="0"/>
+          </a:p>
+          <a:p>
+            <a:r>
+              <a:rPr lang="en-US" b="1" dirty="0" smtClean="0"/>
+              <a:t>We need to discuss the question how to admit retaken photos to the highly curated and vetted collection of </a:t>
+            </a:r>
+            <a:r>
+              <a:rPr lang="en-US" b="1" dirty="0" err="1" smtClean="0"/>
+              <a:t>CalPhoto</a:t>
+            </a:r>
+            <a:r>
+              <a:rPr lang="en-US" b="1" dirty="0" smtClean="0"/>
+              <a:t>.</a:t>
+            </a:r>
+          </a:p>
+          <a:p>
+            <a:endParaRPr lang="en-US" dirty="0"/>
+          </a:p>
+        </p:txBody>
+      </p:sp>
     </p:spTree>
     <p:extLst>
       <p:ext uri="{BB962C8B-B14F-4D97-AF65-F5344CB8AC3E}">
-        <p14:creationId xmlns:p14="http://schemas.microsoft.com/office/powerpoint/2010/main" val="1304684523"/>
+        <p14:creationId xmlns:p14="http://schemas.microsoft.com/office/powerpoint/2010/main" val="2937830022"/>
+      </p:ext>
+    </p:extLst>
+  </p:cSld>
+  <p:clrMapOvr>
+    <a:masterClrMapping/>
+  </p:clrMapOvr>
+  <mc:AlternateContent xmlns:mc="http://schemas.openxmlformats.org/markup-compatibility/2006" xmlns:p14="http://schemas.microsoft.com/office/powerpoint/2010/main">
+    <mc:Choice Requires="p14">
+      <p:transition spd="slow" p14:dur="2000"/>
+    </mc:Choice>
+    <mc:Fallback xmlns="">
+      <p:transition spd="slow"/>
+    </mc:Fallback>
+  </mc:AlternateContent>
+  <p:timing>
+    <p:tnLst>
+      <p:par>
+        <p:cTn id="1" dur="indefinite" restart="never" nodeType="tmRoot"/>
+      </p:par>
+    </p:tnLst>
+  </p:timing>
+</p:sld>
+</file>
+
+<file path=ppt/slides/slide8.xml><?xml version="1.0" encoding="utf-8"?>
+<p:sld xmlns:a="http://schemas.openxmlformats.org/drawingml/2006/main" xmlns:r="http://schemas.openxmlformats.org/officeDocument/2006/relationships" xmlns:p="http://schemas.openxmlformats.org/presentationml/2006/main">
+  <p:cSld>
+    <p:spTree>
+      <p:nvGrpSpPr>
+        <p:cNvPr id="1" name=""/>
+        <p:cNvGrpSpPr/>
+        <p:nvPr/>
+      </p:nvGrpSpPr>
+      <p:grpSpPr>
+        <a:xfrm>
+          <a:off x="0" y="0"/>
+          <a:ext cx="0" cy="0"/>
+          <a:chOff x="0" y="0"/>
+          <a:chExt cx="0" cy="0"/>
+        </a:xfrm>
+      </p:grpSpPr>
+      <p:sp>
+        <p:nvSpPr>
+          <p:cNvPr id="2" name="Title 1"/>
+          <p:cNvSpPr>
+            <a:spLocks noGrp="1"/>
+          </p:cNvSpPr>
+          <p:nvPr>
+            <p:ph type="title"/>
+          </p:nvPr>
+        </p:nvSpPr>
+        <p:spPr>
+          <a:xfrm>
+            <a:off x="457200" y="2209800"/>
+            <a:ext cx="8446168" cy="2133600"/>
+          </a:xfrm>
+        </p:spPr>
+        <p:txBody>
+          <a:bodyPr>
+            <a:normAutofit fontScale="90000"/>
+          </a:bodyPr>
+          <a:lstStyle/>
+          <a:p>
+            <a:pPr algn="ctr"/>
+            <a:r>
+              <a:rPr lang="en-US" sz="2800" b="1" dirty="0" smtClean="0">
+                <a:solidFill>
+                  <a:srgbClr val="003262"/>
+                </a:solidFill>
+              </a:rPr>
+              <a:t>Have fun hacking away! </a:t>
+            </a:r>
+            <a:br>
+              <a:rPr lang="en-US" sz="2800" b="1" dirty="0" smtClean="0">
+                <a:solidFill>
+                  <a:srgbClr val="003262"/>
+                </a:solidFill>
+              </a:rPr>
+            </a:br>
+            <a:r>
+              <a:rPr lang="en-US" sz="2800" b="1" dirty="0">
+                <a:solidFill>
+                  <a:srgbClr val="003262"/>
+                </a:solidFill>
+              </a:rPr>
+              <a:t/>
+            </a:r>
+            <a:br>
+              <a:rPr lang="en-US" sz="2800" b="1" dirty="0">
+                <a:solidFill>
+                  <a:srgbClr val="003262"/>
+                </a:solidFill>
+              </a:rPr>
+            </a:br>
+            <a:r>
+              <a:rPr lang="en-US" sz="2800" b="1" dirty="0" smtClean="0">
+                <a:solidFill>
+                  <a:srgbClr val="003262"/>
+                </a:solidFill>
+              </a:rPr>
+              <a:t>I will be here for troubleshooting, help,</a:t>
+            </a:r>
+            <a:br>
+              <a:rPr lang="en-US" sz="2800" b="1" dirty="0" smtClean="0">
+                <a:solidFill>
+                  <a:srgbClr val="003262"/>
+                </a:solidFill>
+              </a:rPr>
+            </a:br>
+            <a:r>
+              <a:rPr lang="en-US" sz="2800" b="1" dirty="0" smtClean="0">
+                <a:solidFill>
+                  <a:srgbClr val="003262"/>
+                </a:solidFill>
+              </a:rPr>
+              <a:t>and starters.</a:t>
+            </a:r>
+            <a:br>
+              <a:rPr lang="en-US" sz="2800" b="1" dirty="0" smtClean="0">
+                <a:solidFill>
+                  <a:srgbClr val="003262"/>
+                </a:solidFill>
+              </a:rPr>
+            </a:br>
+            <a:r>
+              <a:rPr lang="en-US" sz="2800" b="1" dirty="0">
+                <a:solidFill>
+                  <a:srgbClr val="003262"/>
+                </a:solidFill>
+              </a:rPr>
+              <a:t/>
+            </a:r>
+            <a:br>
+              <a:rPr lang="en-US" sz="2800" b="1" dirty="0">
+                <a:solidFill>
+                  <a:srgbClr val="003262"/>
+                </a:solidFill>
+              </a:rPr>
+            </a:br>
+            <a:r>
+              <a:rPr lang="en-US" sz="2800" b="1" dirty="0" smtClean="0">
+                <a:solidFill>
+                  <a:srgbClr val="003262"/>
+                </a:solidFill>
+              </a:rPr>
+              <a:t>(Even though I would like to join the mobile app team)</a:t>
+            </a:r>
+            <a:r>
+              <a:rPr lang="en-US" sz="2800" dirty="0" smtClean="0">
+                <a:solidFill>
+                  <a:srgbClr val="003262"/>
+                </a:solidFill>
+              </a:rPr>
+              <a:t/>
+            </a:r>
+            <a:br>
+              <a:rPr lang="en-US" sz="2800" dirty="0" smtClean="0">
+                <a:solidFill>
+                  <a:srgbClr val="003262"/>
+                </a:solidFill>
+              </a:rPr>
+            </a:br>
+            <a:r>
+              <a:rPr lang="en-US" sz="2800" b="1" dirty="0">
+                <a:solidFill>
+                  <a:srgbClr val="003262"/>
+                </a:solidFill>
+              </a:rPr>
+              <a:t/>
+            </a:r>
+            <a:br>
+              <a:rPr lang="en-US" sz="2800" b="1" dirty="0">
+                <a:solidFill>
+                  <a:srgbClr val="003262"/>
+                </a:solidFill>
+              </a:rPr>
+            </a:br>
+            <a:r>
+              <a:rPr lang="en-US" sz="2800" b="1" dirty="0" smtClean="0">
+                <a:solidFill>
+                  <a:srgbClr val="003262"/>
+                </a:solidFill>
+              </a:rPr>
+              <a:t>Thank you.</a:t>
+            </a:r>
+            <a:br>
+              <a:rPr lang="en-US" sz="2800" b="1" dirty="0" smtClean="0">
+                <a:solidFill>
+                  <a:srgbClr val="003262"/>
+                </a:solidFill>
+              </a:rPr>
+            </a:br>
+            <a:r>
+              <a:rPr lang="en-US" sz="2800" b="1" dirty="0">
+                <a:solidFill>
+                  <a:srgbClr val="003262"/>
+                </a:solidFill>
+              </a:rPr>
+              <a:t/>
+            </a:r>
+            <a:br>
+              <a:rPr lang="en-US" sz="2800" b="1" dirty="0">
+                <a:solidFill>
+                  <a:srgbClr val="003262"/>
+                </a:solidFill>
+              </a:rPr>
+            </a:br>
+            <a:endParaRPr lang="en-US" sz="2800" dirty="0">
+              <a:solidFill>
+                <a:srgbClr val="003262"/>
+              </a:solidFill>
+            </a:endParaRPr>
+          </a:p>
+        </p:txBody>
+      </p:sp>
+    </p:spTree>
+    <p:extLst>
+      <p:ext uri="{BB962C8B-B14F-4D97-AF65-F5344CB8AC3E}">
+        <p14:creationId xmlns:p14="http://schemas.microsoft.com/office/powerpoint/2010/main" val="2781651362"/>
       </p:ext>
     </p:extLst>
   </p:cSld>
